--- a/presentations/Bài 11_Truu tuong.pptx
+++ b/presentations/Bài 11_Truu tuong.pptx
@@ -5,7 +5,7 @@
     <p:sldMasterId id="2147483659" r:id="rId1"/>
   </p:sldMasterIdLst>
   <p:notesMasterIdLst>
-    <p:notesMasterId r:id="rId32"/>
+    <p:notesMasterId r:id="rId33"/>
   </p:notesMasterIdLst>
   <p:sldIdLst>
     <p:sldId id="256" r:id="rId2"/>
@@ -38,20 +38,21 @@
     <p:sldId id="290" r:id="rId29"/>
     <p:sldId id="291" r:id="rId30"/>
     <p:sldId id="292" r:id="rId31"/>
+    <p:sldId id="346" r:id="rId32"/>
   </p:sldIdLst>
   <p:sldSz cx="9144000" cy="5143500" type="screen16x9"/>
   <p:notesSz cx="6858000" cy="9144000"/>
   <p:embeddedFontLst>
     <p:embeddedFont>
       <p:font typeface="Alfa Slab One" panose="020B0604020202020204" charset="0"/>
-      <p:regular r:id="rId33"/>
+      <p:regular r:id="rId34"/>
     </p:embeddedFont>
     <p:embeddedFont>
       <p:font typeface="Proxima Nova" panose="020B0604020202020204" charset="0"/>
-      <p:regular r:id="rId34"/>
-      <p:bold r:id="rId35"/>
-      <p:italic r:id="rId36"/>
-      <p:boldItalic r:id="rId37"/>
+      <p:regular r:id="rId35"/>
+      <p:bold r:id="rId36"/>
+      <p:italic r:id="rId37"/>
+      <p:boldItalic r:id="rId38"/>
     </p:embeddedFont>
   </p:embeddedFontLst>
   <p:defaultTextStyle>
@@ -4524,6 +4525,270 @@
 </p:sldLayout>
 </file>
 
+<file path=ppt/slideLayouts/slideLayout11.xml><?xml version="1.0" encoding="utf-8"?>
+<p:sldLayout xmlns:a="http://schemas.openxmlformats.org/drawingml/2006/main" xmlns:r="http://schemas.openxmlformats.org/officeDocument/2006/relationships" xmlns:p="http://schemas.openxmlformats.org/presentationml/2006/main" matchingName="Title only" type="titleOnly">
+  <p:cSld name="Title only">
+    <p:spTree>
+      <p:nvGrpSpPr>
+        <p:cNvPr id="1" name="Shape 29"/>
+        <p:cNvGrpSpPr/>
+        <p:nvPr/>
+      </p:nvGrpSpPr>
+      <p:grpSpPr>
+        <a:xfrm>
+          <a:off x="0" y="0"/>
+          <a:ext cx="0" cy="0"/>
+          <a:chOff x="0" y="0"/>
+          <a:chExt cx="0" cy="0"/>
+        </a:xfrm>
+      </p:grpSpPr>
+      <p:sp>
+        <p:nvSpPr>
+          <p:cNvPr id="30" name="Google Shape;30;p6"/>
+          <p:cNvSpPr txBox="1">
+            <a:spLocks noGrp="1"/>
+          </p:cNvSpPr>
+          <p:nvPr>
+            <p:ph type="title"/>
+          </p:nvPr>
+        </p:nvSpPr>
+        <p:spPr>
+          <a:xfrm>
+            <a:off x="311700" y="445025"/>
+            <a:ext cx="8520600" cy="572700"/>
+          </a:xfrm>
+          <a:prstGeom prst="rect">
+            <a:avLst/>
+          </a:prstGeom>
+        </p:spPr>
+        <p:txBody>
+          <a:bodyPr spcFirstLastPara="1" wrap="square" lIns="91425" tIns="91425" rIns="91425" bIns="91425" anchor="t" anchorCtr="0">
+            <a:normAutofit/>
+          </a:bodyPr>
+          <a:lstStyle>
+            <a:lvl1pPr lvl="0">
+              <a:spcBef>
+                <a:spcPts val="0"/>
+              </a:spcBef>
+              <a:spcAft>
+                <a:spcPts val="0"/>
+              </a:spcAft>
+              <a:buSzPts val="3000"/>
+              <a:buNone/>
+              <a:defRPr/>
+            </a:lvl1pPr>
+            <a:lvl2pPr lvl="1">
+              <a:spcBef>
+                <a:spcPts val="0"/>
+              </a:spcBef>
+              <a:spcAft>
+                <a:spcPts val="0"/>
+              </a:spcAft>
+              <a:buSzPts val="3000"/>
+              <a:buNone/>
+              <a:defRPr/>
+            </a:lvl2pPr>
+            <a:lvl3pPr lvl="2">
+              <a:spcBef>
+                <a:spcPts val="0"/>
+              </a:spcBef>
+              <a:spcAft>
+                <a:spcPts val="0"/>
+              </a:spcAft>
+              <a:buSzPts val="3000"/>
+              <a:buNone/>
+              <a:defRPr/>
+            </a:lvl3pPr>
+            <a:lvl4pPr lvl="3">
+              <a:spcBef>
+                <a:spcPts val="0"/>
+              </a:spcBef>
+              <a:spcAft>
+                <a:spcPts val="0"/>
+              </a:spcAft>
+              <a:buSzPts val="3000"/>
+              <a:buNone/>
+              <a:defRPr/>
+            </a:lvl4pPr>
+            <a:lvl5pPr lvl="4">
+              <a:spcBef>
+                <a:spcPts val="0"/>
+              </a:spcBef>
+              <a:spcAft>
+                <a:spcPts val="0"/>
+              </a:spcAft>
+              <a:buSzPts val="3000"/>
+              <a:buNone/>
+              <a:defRPr/>
+            </a:lvl5pPr>
+            <a:lvl6pPr lvl="5">
+              <a:spcBef>
+                <a:spcPts val="0"/>
+              </a:spcBef>
+              <a:spcAft>
+                <a:spcPts val="0"/>
+              </a:spcAft>
+              <a:buSzPts val="3000"/>
+              <a:buNone/>
+              <a:defRPr/>
+            </a:lvl6pPr>
+            <a:lvl7pPr lvl="6">
+              <a:spcBef>
+                <a:spcPts val="0"/>
+              </a:spcBef>
+              <a:spcAft>
+                <a:spcPts val="0"/>
+              </a:spcAft>
+              <a:buSzPts val="3000"/>
+              <a:buNone/>
+              <a:defRPr/>
+            </a:lvl7pPr>
+            <a:lvl8pPr lvl="7">
+              <a:spcBef>
+                <a:spcPts val="0"/>
+              </a:spcBef>
+              <a:spcAft>
+                <a:spcPts val="0"/>
+              </a:spcAft>
+              <a:buSzPts val="3000"/>
+              <a:buNone/>
+              <a:defRPr/>
+            </a:lvl8pPr>
+            <a:lvl9pPr lvl="8">
+              <a:spcBef>
+                <a:spcPts val="0"/>
+              </a:spcBef>
+              <a:spcAft>
+                <a:spcPts val="0"/>
+              </a:spcAft>
+              <a:buSzPts val="3000"/>
+              <a:buNone/>
+              <a:defRPr/>
+            </a:lvl9pPr>
+          </a:lstStyle>
+          <a:p>
+            <a:endParaRPr/>
+          </a:p>
+        </p:txBody>
+      </p:sp>
+      <p:sp>
+        <p:nvSpPr>
+          <p:cNvPr id="31" name="Google Shape;31;p6"/>
+          <p:cNvSpPr txBox="1">
+            <a:spLocks noGrp="1"/>
+          </p:cNvSpPr>
+          <p:nvPr>
+            <p:ph type="sldNum" idx="12"/>
+          </p:nvPr>
+        </p:nvSpPr>
+        <p:spPr>
+          <a:xfrm>
+            <a:off x="8472458" y="4663217"/>
+            <a:ext cx="548700" cy="393600"/>
+          </a:xfrm>
+          <a:prstGeom prst="rect">
+            <a:avLst/>
+          </a:prstGeom>
+        </p:spPr>
+        <p:txBody>
+          <a:bodyPr spcFirstLastPara="1" wrap="square" lIns="91425" tIns="91425" rIns="91425" bIns="91425" anchor="ctr" anchorCtr="0">
+            <a:normAutofit/>
+          </a:bodyPr>
+          <a:lstStyle>
+            <a:lvl1pPr lvl="0">
+              <a:buNone/>
+              <a:defRPr/>
+            </a:lvl1pPr>
+            <a:lvl2pPr lvl="1">
+              <a:buNone/>
+              <a:defRPr/>
+            </a:lvl2pPr>
+            <a:lvl3pPr lvl="2">
+              <a:buNone/>
+              <a:defRPr/>
+            </a:lvl3pPr>
+            <a:lvl4pPr lvl="3">
+              <a:buNone/>
+              <a:defRPr/>
+            </a:lvl4pPr>
+            <a:lvl5pPr lvl="4">
+              <a:buNone/>
+              <a:defRPr/>
+            </a:lvl5pPr>
+            <a:lvl6pPr lvl="5">
+              <a:buNone/>
+              <a:defRPr/>
+            </a:lvl6pPr>
+            <a:lvl7pPr lvl="6">
+              <a:buNone/>
+              <a:defRPr/>
+            </a:lvl7pPr>
+            <a:lvl8pPr lvl="7">
+              <a:buNone/>
+              <a:defRPr/>
+            </a:lvl8pPr>
+            <a:lvl9pPr lvl="8">
+              <a:buNone/>
+              <a:defRPr/>
+            </a:lvl9pPr>
+          </a:lstStyle>
+          <a:p>
+            <a:pPr marL="0" lvl="0" indent="0" algn="r" rtl="0">
+              <a:spcBef>
+                <a:spcPts val="0"/>
+              </a:spcBef>
+              <a:spcAft>
+                <a:spcPts val="0"/>
+              </a:spcAft>
+              <a:buNone/>
+            </a:pPr>
+            <a:fld id="{00000000-1234-1234-1234-123412341234}" type="slidenum">
+              <a:rPr lang="en"/>
+              <a:t>‹#›</a:t>
+            </a:fld>
+            <a:endParaRPr/>
+          </a:p>
+        </p:txBody>
+      </p:sp>
+      <p:cxnSp>
+        <p:nvCxnSpPr>
+          <p:cNvPr id="32" name="Google Shape;32;p6"/>
+          <p:cNvCxnSpPr/>
+          <p:nvPr/>
+        </p:nvCxnSpPr>
+        <p:spPr>
+          <a:xfrm>
+            <a:off x="397650" y="1152475"/>
+            <a:ext cx="8348700" cy="1200"/>
+          </a:xfrm>
+          <a:prstGeom prst="straightConnector1">
+            <a:avLst/>
+          </a:prstGeom>
+          <a:noFill/>
+          <a:ln w="19050" cap="flat" cmpd="sng">
+            <a:solidFill>
+              <a:srgbClr val="F48121"/>
+            </a:solidFill>
+            <a:prstDash val="solid"/>
+            <a:round/>
+            <a:headEnd type="none" w="sm" len="sm"/>
+            <a:tailEnd type="none" w="sm" len="sm"/>
+          </a:ln>
+        </p:spPr>
+      </p:cxnSp>
+    </p:spTree>
+    <p:extLst>
+      <p:ext uri="{BB962C8B-B14F-4D97-AF65-F5344CB8AC3E}">
+        <p14:creationId xmlns:p14="http://schemas.microsoft.com/office/powerpoint/2010/main" val="3504390413"/>
+      </p:ext>
+    </p:extLst>
+  </p:cSld>
+  <p:clrMapOvr>
+    <a:masterClrMapping/>
+  </p:clrMapOvr>
+</p:sldLayout>
+</file>
+
 <file path=ppt/slideLayouts/slideLayout2.xml><?xml version="1.0" encoding="utf-8"?>
 <p:sldLayout xmlns:a="http://schemas.openxmlformats.org/drawingml/2006/main" xmlns:r="http://schemas.openxmlformats.org/officeDocument/2006/relationships" xmlns:p="http://schemas.openxmlformats.org/presentationml/2006/main" matchingName="Section header" type="secHead">
   <p:cSld name="SECTION_HEADER">
@@ -8456,7 +8721,7 @@
           <p:nvPr/>
         </p:nvPicPr>
         <p:blipFill>
-          <a:blip r:embed="rId12">
+          <a:blip r:embed="rId13">
             <a:alphaModFix/>
           </a:blip>
           <a:stretch>
@@ -8491,6 +8756,7 @@
     <p:sldLayoutId id="2147483656" r:id="rId8"/>
     <p:sldLayoutId id="2147483657" r:id="rId9"/>
     <p:sldLayoutId id="2147483658" r:id="rId10"/>
+    <p:sldLayoutId id="2147483660" r:id="rId11"/>
   </p:sldLayoutIdLst>
   <p:hf sldNum="0" hdr="0" ftr="0" dt="0"/>
   <p:txStyles>
@@ -10320,15 +10586,22 @@
             <a:pPr algn="just"/>
             <a:r>
               <a:rPr lang="vi-VN"/>
-              <a:t>Một lớp trừu tượng bao gồm các phương thức </a:t>
+              <a:t>Một lớp trừu tượng có thể được đánh dấu là </a:t>
             </a:r>
             <a:r>
               <a:rPr lang="vi-VN" b="1"/>
-              <a:t>final</a:t>
+              <a:t>final </a:t>
             </a:r>
             <a:r>
               <a:rPr lang="vi-VN"/>
-              <a:t>.</a:t>
+              <a:t>để ngăn các lớp con của nó sửa đổi hành vi hoặc ghi đè các phương thức của nó</a:t>
+            </a:r>
+          </a:p>
+          <a:p>
+            <a:pPr lvl="1" algn="just"/>
+            <a:r>
+              <a:rPr lang="vi-VN" sz="1600"/>
+              <a:t>Điều này có thể hữu ích trong trường hợp bạn muốn tạo một lớp cơ sở cung cấp một tập hợp các phương thức chung, nhưng bạn không muốn các phương thức đó bị sửa đổi bởi các lớp con.</a:t>
             </a:r>
           </a:p>
         </p:txBody>
@@ -14910,6 +15183,110 @@
     <p:extLst>
       <p:ext uri="{BB962C8B-B14F-4D97-AF65-F5344CB8AC3E}">
         <p14:creationId xmlns:p14="http://schemas.microsoft.com/office/powerpoint/2010/main" val="3209147340"/>
+      </p:ext>
+    </p:extLst>
+  </p:cSld>
+  <p:clrMapOvr>
+    <a:masterClrMapping/>
+  </p:clrMapOvr>
+</p:sld>
+</file>
+
+<file path=ppt/slides/slide31.xml><?xml version="1.0" encoding="utf-8"?>
+<p:sld xmlns:a="http://schemas.openxmlformats.org/drawingml/2006/main" xmlns:r="http://schemas.openxmlformats.org/officeDocument/2006/relationships" xmlns:p="http://schemas.openxmlformats.org/presentationml/2006/main">
+  <p:cSld>
+    <p:spTree>
+      <p:nvGrpSpPr>
+        <p:cNvPr id="1" name=""/>
+        <p:cNvGrpSpPr/>
+        <p:nvPr/>
+      </p:nvGrpSpPr>
+      <p:grpSpPr>
+        <a:xfrm>
+          <a:off x="0" y="0"/>
+          <a:ext cx="0" cy="0"/>
+          <a:chOff x="0" y="0"/>
+          <a:chExt cx="0" cy="0"/>
+        </a:xfrm>
+      </p:grpSpPr>
+      <p:sp>
+        <p:nvSpPr>
+          <p:cNvPr id="2" name="Title 1">
+            <a:extLst>
+              <a:ext uri="{FF2B5EF4-FFF2-40B4-BE49-F238E27FC236}">
+                <a16:creationId xmlns:a16="http://schemas.microsoft.com/office/drawing/2014/main" id="{CF6D12E1-FBF4-CDF1-B80D-910C581441FA}"/>
+              </a:ext>
+            </a:extLst>
+          </p:cNvPr>
+          <p:cNvSpPr>
+            <a:spLocks noGrp="1"/>
+          </p:cNvSpPr>
+          <p:nvPr>
+            <p:ph type="title"/>
+          </p:nvPr>
+        </p:nvSpPr>
+        <p:spPr/>
+        <p:txBody>
+          <a:bodyPr>
+            <a:normAutofit fontScale="90000"/>
+          </a:bodyPr>
+          <a:lstStyle/>
+          <a:p>
+            <a:endParaRPr lang="en-US"/>
+          </a:p>
+        </p:txBody>
+      </p:sp>
+      <p:pic>
+        <p:nvPicPr>
+          <p:cNvPr id="2050" name="Picture 2">
+            <a:extLst>
+              <a:ext uri="{FF2B5EF4-FFF2-40B4-BE49-F238E27FC236}">
+                <a16:creationId xmlns:a16="http://schemas.microsoft.com/office/drawing/2014/main" id="{DEF02AC6-78FC-B7BC-B1CC-891990A6FE59}"/>
+              </a:ext>
+            </a:extLst>
+          </p:cNvPr>
+          <p:cNvPicPr>
+            <a:picLocks noChangeAspect="1" noChangeArrowheads="1"/>
+          </p:cNvPicPr>
+          <p:nvPr/>
+        </p:nvPicPr>
+        <p:blipFill>
+          <a:blip r:embed="rId2">
+            <a:extLst>
+              <a:ext uri="{28A0092B-C50C-407E-A947-70E740481C1C}">
+                <a14:useLocalDpi xmlns:a14="http://schemas.microsoft.com/office/drawing/2010/main" val="0"/>
+              </a:ext>
+            </a:extLst>
+          </a:blip>
+          <a:srcRect/>
+          <a:stretch>
+            <a:fillRect/>
+          </a:stretch>
+        </p:blipFill>
+        <p:spPr bwMode="auto">
+          <a:xfrm>
+            <a:off x="0" y="0"/>
+            <a:ext cx="9144000" cy="5143500"/>
+          </a:xfrm>
+          <a:prstGeom prst="rect">
+            <a:avLst/>
+          </a:prstGeom>
+          <a:noFill/>
+          <a:extLst>
+            <a:ext uri="{909E8E84-426E-40DD-AFC4-6F175D3DCCD1}">
+              <a14:hiddenFill xmlns:a14="http://schemas.microsoft.com/office/drawing/2010/main">
+                <a:solidFill>
+                  <a:srgbClr val="FFFFFF"/>
+                </a:solidFill>
+              </a14:hiddenFill>
+            </a:ext>
+          </a:extLst>
+        </p:spPr>
+      </p:pic>
+    </p:spTree>
+    <p:extLst>
+      <p:ext uri="{BB962C8B-B14F-4D97-AF65-F5344CB8AC3E}">
+        <p14:creationId xmlns:p14="http://schemas.microsoft.com/office/powerpoint/2010/main" val="1171021255"/>
       </p:ext>
     </p:extLst>
   </p:cSld>
